--- a/Trabalho03/Local Sockets.pptx
+++ b/Trabalho03/Local Sockets.pptx
@@ -3768,14 +3768,10 @@
             </a:r>
             <a:r>
               <a:rPr lang="pt-BR" sz="1800" dirty="0"/>
-              <a:t>. </a:t>
-            </a:r>
-            <a:r>
-              <a:rPr lang="pt-BR" sz="1800"/>
-              <a:t>2016</a:t>
-            </a:r>
-            <a:r>
-              <a:rPr lang="pt-BR" sz="1800" smtClean="0"/>
+              <a:t>. 2016</a:t>
+            </a:r>
+            <a:r>
+              <a:rPr lang="pt-BR" sz="1800" dirty="0" smtClean="0"/>
               <a:t>.</a:t>
             </a:r>
           </a:p>
@@ -3809,8 +3805,51 @@
             </a:r>
             <a:r>
               <a:rPr lang="pt-BR" sz="1800" dirty="0"/>
-              <a:t>ago. 2016.</a:t>
-            </a:r>
+              <a:t>ago. 2016</a:t>
+            </a:r>
+            <a:r>
+              <a:rPr lang="pt-BR" sz="1800" dirty="0" smtClean="0"/>
+              <a:t>.</a:t>
+            </a:r>
+          </a:p>
+          <a:p>
+            <a:endParaRPr lang="pt-BR" sz="1800" dirty="0"/>
+          </a:p>
+          <a:p>
+            <a:pPr marL="0" indent="0">
+              <a:buNone/>
+            </a:pPr>
+            <a:r>
+              <a:rPr lang="pt-BR" sz="1800" dirty="0"/>
+              <a:t> </a:t>
+            </a:r>
+            <a:r>
+              <a:rPr lang="pt-BR" sz="1800" dirty="0" smtClean="0"/>
+              <a:t>  </a:t>
+            </a:r>
+            <a:r>
+              <a:rPr lang="pt-BR" sz="1800" dirty="0" err="1" smtClean="0"/>
+              <a:t>Gist</a:t>
+            </a:r>
+            <a:r>
+              <a:rPr lang="pt-BR" sz="1800" dirty="0" smtClean="0"/>
+              <a:t> (</a:t>
+            </a:r>
+            <a:r>
+              <a:rPr lang="pt-BR" sz="1800" dirty="0" err="1" smtClean="0"/>
+              <a:t>gitHub</a:t>
+            </a:r>
+            <a:r>
+              <a:rPr lang="pt-BR" sz="1800" dirty="0" smtClean="0"/>
+              <a:t>)</a:t>
+            </a:r>
+          </a:p>
+          <a:p>
+            <a:r>
+              <a:rPr lang="pt-BR" sz="1800" dirty="0"/>
+              <a:t>https://github.com/CarlosAlbertoUFS/SOProjects/tree/master/Trabalho03</a:t>
+            </a:r>
+            <a:endParaRPr lang="pt-BR" sz="1800" dirty="0"/>
           </a:p>
           <a:p>
             <a:endParaRPr lang="pt-BR" sz="1800" dirty="0"/>
@@ -4232,11 +4271,7 @@
           <a:p>
             <a:r>
               <a:rPr lang="pt-BR" dirty="0" smtClean="0"/>
-              <a:t>4. </a:t>
-            </a:r>
-            <a:r>
-              <a:rPr lang="pt-BR" dirty="0" smtClean="0"/>
-              <a:t>Bibliotecas</a:t>
+              <a:t>4. Bibliotecas</a:t>
             </a:r>
             <a:endParaRPr lang="pt-BR" dirty="0"/>
           </a:p>
